--- a/VII SEMESTER/Transportation System/OE-III TS Syllabus.pptx
+++ b/VII SEMESTER/Transportation System/OE-III TS Syllabus.pptx
@@ -212,7 +212,7 @@
           <a:p>
             <a:fld id="{7B66482E-E93B-4C9F-A5BD-5A7818DE8F93}" type="datetimeFigureOut">
               <a:rPr lang="en-US" smtClean="0"/>
-              <a:t>8/1/2024</a:t>
+              <a:t>7/18/2024</a:t>
             </a:fld>
             <a:endParaRPr lang="en-US"/>
           </a:p>
@@ -838,7 +838,7 @@
           <a:p>
             <a:fld id="{9E529598-86FC-4638-AB23-7F6E7737E15B}" type="datetime1">
               <a:rPr lang="en-US" smtClean="0"/>
-              <a:t>8/1/2024</a:t>
+              <a:t>7/18/2024</a:t>
             </a:fld>
             <a:endParaRPr lang="en-US"/>
           </a:p>
@@ -1249,7 +1249,7 @@
                 <a:ea typeface="SimSun" pitchFamily="2" charset="-122"/>
                 <a:cs typeface="+mn-cs"/>
               </a:rPr>
-              <a:t>8/1/2024</a:t>
+              <a:t>7/18/2024</a:t>
             </a:fld>
             <a:endParaRPr kumimoji="0" lang="en-US" altLang="zh-CN" sz="1400" b="0" i="0" u="none" strike="noStrike" kern="1200" cap="none" spc="0" normalizeH="0" baseline="0" noProof="0" smtClean="0">
               <a:ln>
@@ -1508,7 +1508,7 @@
           <a:p>
             <a:fld id="{3FB2471D-4DDF-4060-AB8D-9D0D122EFA6A}" type="datetime1">
               <a:rPr lang="en-US" smtClean="0"/>
-              <a:t>8/1/2024</a:t>
+              <a:t>7/18/2024</a:t>
             </a:fld>
             <a:endParaRPr lang="en-US"/>
           </a:p>
@@ -1673,7 +1673,7 @@
           <a:p>
             <a:fld id="{8D8CFC38-844B-443C-AC8F-5CD70E51E7A0}" type="datetime1">
               <a:rPr lang="en-US" smtClean="0"/>
-              <a:t>8/1/2024</a:t>
+              <a:t>7/18/2024</a:t>
             </a:fld>
             <a:endParaRPr lang="en-US"/>
           </a:p>
@@ -1860,7 +1860,7 @@
           <a:p>
             <a:fld id="{DEB01F46-0CE8-4DB6-8D96-D721DE01548D}" type="datetime1">
               <a:rPr lang="en-US" smtClean="0"/>
-              <a:t>8/1/2024</a:t>
+              <a:t>7/18/2024</a:t>
             </a:fld>
             <a:endParaRPr lang="en-US"/>
           </a:p>
@@ -2087,7 +2087,7 @@
           <a:p>
             <a:fld id="{00193458-CF14-437E-AA72-10E5C83EE73A}" type="datetime1">
               <a:rPr lang="en-US" smtClean="0"/>
-              <a:t>8/1/2024</a:t>
+              <a:t>7/18/2024</a:t>
             </a:fld>
             <a:endParaRPr lang="en-US"/>
           </a:p>
@@ -2449,7 +2449,7 @@
           <a:p>
             <a:fld id="{CDEE638E-24D2-4977-8CD9-843479638FAE}" type="datetime1">
               <a:rPr lang="en-US" smtClean="0"/>
-              <a:t>8/1/2024</a:t>
+              <a:t>7/18/2024</a:t>
             </a:fld>
             <a:endParaRPr lang="en-US"/>
           </a:p>
@@ -2562,7 +2562,7 @@
           <a:p>
             <a:fld id="{2EACE791-4405-4DF6-A856-E90BB9556728}" type="datetime1">
               <a:rPr lang="en-US" smtClean="0"/>
-              <a:t>8/1/2024</a:t>
+              <a:t>7/18/2024</a:t>
             </a:fld>
             <a:endParaRPr lang="en-US"/>
           </a:p>
@@ -2652,7 +2652,7 @@
           <a:p>
             <a:fld id="{9C8A82E7-EB1B-4958-B73F-E4327A781A12}" type="datetime1">
               <a:rPr lang="en-US" smtClean="0"/>
-              <a:t>8/1/2024</a:t>
+              <a:t>7/18/2024</a:t>
             </a:fld>
             <a:endParaRPr lang="en-US"/>
           </a:p>
@@ -2953,7 +2953,7 @@
                 <a:ea typeface="SimSun" pitchFamily="2" charset="-122"/>
                 <a:cs typeface="+mn-cs"/>
               </a:rPr>
-              <a:t>8/1/2024</a:t>
+              <a:t>7/18/2024</a:t>
             </a:fld>
             <a:endParaRPr kumimoji="0" lang="en-US" altLang="zh-CN" sz="1400" b="0" i="0" u="none" strike="noStrike" kern="1200" cap="none" spc="0" normalizeH="0" baseline="0" noProof="0" smtClean="0">
               <a:ln>
@@ -3314,7 +3314,7 @@
           <a:p>
             <a:fld id="{9CCF7556-DFB2-4FC4-8F67-B92AF3D2F5F3}" type="datetime1">
               <a:rPr lang="en-US" smtClean="0"/>
-              <a:t>8/1/2024</a:t>
+              <a:t>7/18/2024</a:t>
             </a:fld>
             <a:endParaRPr lang="en-US"/>
           </a:p>
@@ -3680,7 +3680,7 @@
           <a:p>
             <a:fld id="{0BC5CC32-F734-4170-A39D-4EC1A24C7CFC}" type="datetime1">
               <a:rPr lang="en-US" smtClean="0"/>
-              <a:t>8/1/2024</a:t>
+              <a:t>7/18/2024</a:t>
             </a:fld>
             <a:endParaRPr lang="en-US"/>
           </a:p>
@@ -5274,7 +5274,7 @@
         </p:nvGraphicFramePr>
         <p:xfrm>
           <a:off x="232732" y="1337480"/>
-          <a:ext cx="11613524" cy="4455097"/>
+          <a:ext cx="11613524" cy="4360420"/>
         </p:xfrm>
         <a:graphic>
           <a:graphicData uri="http://schemas.openxmlformats.org/drawingml/2006/table">
@@ -5963,10 +5963,10 @@
                         <a:t> and </a:t>
                       </a:r>
                       <a:r>
-                        <a:rPr lang="en-US" sz="2800" dirty="0" smtClean="0">
+                        <a:rPr lang="en-US" sz="2800" dirty="0" err="1">
                           <a:effectLst/>
                         </a:rPr>
-                        <a:t>Arora</a:t>
+                        <a:t>Saxena</a:t>
                       </a:r>
                       <a:endParaRPr lang="en-US" sz="2800" dirty="0">
                         <a:effectLst/>
@@ -7000,9 +7000,8 @@
             </a:pPr>
             <a:r>
               <a:rPr lang="en-US" dirty="0" smtClean="0"/>
-              <a:t>Assignment </a:t>
-            </a:r>
-            <a:endParaRPr lang="en-US" dirty="0" smtClean="0"/>
+              <a:t>Assignment I</a:t>
+            </a:r>
           </a:p>
           <a:p>
             <a:pPr>
@@ -7012,9 +7011,8 @@
             </a:pPr>
             <a:r>
               <a:rPr lang="en-US" dirty="0" smtClean="0"/>
-              <a:t>Report / Case Study</a:t>
-            </a:r>
-            <a:endParaRPr lang="en-US" dirty="0" smtClean="0"/>
+              <a:t>Assignment II</a:t>
+            </a:r>
           </a:p>
           <a:p>
             <a:pPr>
@@ -7026,6 +7024,7 @@
               <a:rPr lang="en-US" dirty="0" smtClean="0"/>
               <a:t>Quiz</a:t>
             </a:r>
+            <a:endParaRPr lang="en-US" dirty="0" smtClean="0"/>
           </a:p>
           <a:p>
             <a:pPr>
@@ -7035,7 +7034,11 @@
             </a:pPr>
             <a:r>
               <a:rPr lang="en-US" dirty="0" smtClean="0"/>
-              <a:t>On Spot Evaluation</a:t>
+              <a:t>On </a:t>
+            </a:r>
+            <a:r>
+              <a:rPr lang="en-US" dirty="0" smtClean="0"/>
+              <a:t>Spot Evaluation</a:t>
             </a:r>
             <a:endParaRPr lang="en-US" dirty="0"/>
           </a:p>
@@ -7567,6 +7570,7 @@
               <a:rPr lang="en-US" sz="3200" dirty="0"/>
               <a:t> of various Transportation systems.</a:t>
             </a:r>
+            <a:endParaRPr lang="en-US" sz="3200" dirty="0"/>
           </a:p>
         </p:txBody>
       </p:sp>
@@ -7832,6 +7836,7 @@
               <a:rPr lang="en-US" sz="3200" dirty="0"/>
               <a:t> transportation systems.</a:t>
             </a:r>
+            <a:endParaRPr lang="en-US" sz="3200" dirty="0"/>
           </a:p>
         </p:txBody>
       </p:sp>
@@ -8820,7 +8825,11 @@
             </a:br>
             <a:r>
               <a:rPr lang="en-US" sz="3000" dirty="0"/>
-              <a:t>BRTS, Metro, Intelligent Transportation Systems and </a:t>
+              <a:t>BRTS, Metro, Intelligent Transportation Systems </a:t>
+            </a:r>
+            <a:r>
+              <a:rPr lang="en-US" sz="3000" dirty="0"/>
+              <a:t>and </a:t>
             </a:r>
             <a:r>
               <a:rPr lang="en-US" sz="3000" dirty="0" smtClean="0"/>
